--- a/HotelSorriso - Apresentação final.pptx
+++ b/HotelSorriso - Apresentação final.pptx
@@ -624,7 +624,7 @@
             <a:fld id="{B61BEF0D-F0BB-DE4B-95CE-6DB70DBA9567}" type="datetimeFigureOut">
               <a:rPr lang="en-US" smtClean="0"/>
               <a:pPr/>
-              <a:t>10/29/2019</a:t>
+              <a:t>10/30/2019</a:t>
             </a:fld>
             <a:endParaRPr lang="en-US" dirty="0"/>
           </a:p>
@@ -922,7 +922,7 @@
             <a:fld id="{B61BEF0D-F0BB-DE4B-95CE-6DB70DBA9567}" type="datetimeFigureOut">
               <a:rPr lang="en-US" smtClean="0"/>
               <a:pPr/>
-              <a:t>10/29/2019</a:t>
+              <a:t>10/30/2019</a:t>
             </a:fld>
             <a:endParaRPr lang="en-US" dirty="0"/>
           </a:p>
@@ -1172,7 +1172,7 @@
             <a:fld id="{B61BEF0D-F0BB-DE4B-95CE-6DB70DBA9567}" type="datetimeFigureOut">
               <a:rPr lang="en-US" smtClean="0"/>
               <a:pPr/>
-              <a:t>10/29/2019</a:t>
+              <a:t>10/30/2019</a:t>
             </a:fld>
             <a:endParaRPr lang="en-US" dirty="0"/>
           </a:p>
@@ -1714,7 +1714,7 @@
             <a:fld id="{B61BEF0D-F0BB-DE4B-95CE-6DB70DBA9567}" type="datetimeFigureOut">
               <a:rPr lang="en-US" smtClean="0"/>
               <a:pPr/>
-              <a:t>10/29/2019</a:t>
+              <a:t>10/30/2019</a:t>
             </a:fld>
             <a:endParaRPr lang="en-US" dirty="0"/>
           </a:p>
@@ -1964,7 +1964,7 @@
             <a:fld id="{B61BEF0D-F0BB-DE4B-95CE-6DB70DBA9567}" type="datetimeFigureOut">
               <a:rPr lang="en-US" smtClean="0"/>
               <a:pPr/>
-              <a:t>10/29/2019</a:t>
+              <a:t>10/30/2019</a:t>
             </a:fld>
             <a:endParaRPr lang="en-US" dirty="0"/>
           </a:p>
@@ -2498,7 +2498,7 @@
             <a:fld id="{B61BEF0D-F0BB-DE4B-95CE-6DB70DBA9567}" type="datetimeFigureOut">
               <a:rPr lang="en-US" smtClean="0"/>
               <a:pPr/>
-              <a:t>10/29/2019</a:t>
+              <a:t>10/30/2019</a:t>
             </a:fld>
             <a:endParaRPr lang="en-US" dirty="0"/>
           </a:p>
@@ -2797,7 +2797,7 @@
             <a:fld id="{B61BEF0D-F0BB-DE4B-95CE-6DB70DBA9567}" type="datetimeFigureOut">
               <a:rPr lang="en-US" smtClean="0"/>
               <a:pPr/>
-              <a:t>10/29/2019</a:t>
+              <a:t>10/30/2019</a:t>
             </a:fld>
             <a:endParaRPr lang="en-US" dirty="0"/>
           </a:p>
@@ -2973,7 +2973,7 @@
             <a:fld id="{B61BEF0D-F0BB-DE4B-95CE-6DB70DBA9567}" type="datetimeFigureOut">
               <a:rPr lang="en-US" smtClean="0"/>
               <a:pPr/>
-              <a:t>10/29/2019</a:t>
+              <a:t>10/30/2019</a:t>
             </a:fld>
             <a:endParaRPr lang="en-US" dirty="0"/>
           </a:p>
@@ -3155,7 +3155,7 @@
             <a:fld id="{B61BEF0D-F0BB-DE4B-95CE-6DB70DBA9567}" type="datetimeFigureOut">
               <a:rPr lang="en-US" smtClean="0"/>
               <a:pPr/>
-              <a:t>10/29/2019</a:t>
+              <a:t>10/30/2019</a:t>
             </a:fld>
             <a:endParaRPr lang="en-US" dirty="0"/>
           </a:p>
@@ -3327,7 +3327,7 @@
             <a:fld id="{B61BEF0D-F0BB-DE4B-95CE-6DB70DBA9567}" type="datetimeFigureOut">
               <a:rPr lang="en-US" smtClean="0"/>
               <a:pPr/>
-              <a:t>10/29/2019</a:t>
+              <a:t>10/30/2019</a:t>
             </a:fld>
             <a:endParaRPr lang="en-US" dirty="0"/>
           </a:p>
@@ -3580,7 +3580,7 @@
             <a:fld id="{B61BEF0D-F0BB-DE4B-95CE-6DB70DBA9567}" type="datetimeFigureOut">
               <a:rPr lang="en-US" smtClean="0"/>
               <a:pPr/>
-              <a:t>10/29/2019</a:t>
+              <a:t>10/30/2019</a:t>
             </a:fld>
             <a:endParaRPr lang="en-US" dirty="0"/>
           </a:p>
@@ -3879,7 +3879,7 @@
             <a:fld id="{B61BEF0D-F0BB-DE4B-95CE-6DB70DBA9567}" type="datetimeFigureOut">
               <a:rPr lang="en-US" smtClean="0"/>
               <a:pPr/>
-              <a:t>10/29/2019</a:t>
+              <a:t>10/30/2019</a:t>
             </a:fld>
             <a:endParaRPr lang="en-US" dirty="0"/>
           </a:p>
@@ -4323,7 +4323,7 @@
             <a:fld id="{B61BEF0D-F0BB-DE4B-95CE-6DB70DBA9567}" type="datetimeFigureOut">
               <a:rPr lang="en-US" smtClean="0"/>
               <a:pPr/>
-              <a:t>10/29/2019</a:t>
+              <a:t>10/30/2019</a:t>
             </a:fld>
             <a:endParaRPr lang="en-US" dirty="0"/>
           </a:p>
@@ -4443,7 +4443,7 @@
             <a:fld id="{B61BEF0D-F0BB-DE4B-95CE-6DB70DBA9567}" type="datetimeFigureOut">
               <a:rPr lang="en-US" smtClean="0"/>
               <a:pPr/>
-              <a:t>10/29/2019</a:t>
+              <a:t>10/30/2019</a:t>
             </a:fld>
             <a:endParaRPr lang="en-US" dirty="0"/>
           </a:p>
@@ -4540,7 +4540,7 @@
             <a:fld id="{B61BEF0D-F0BB-DE4B-95CE-6DB70DBA9567}" type="datetimeFigureOut">
               <a:rPr lang="en-US" smtClean="0"/>
               <a:pPr/>
-              <a:t>10/29/2019</a:t>
+              <a:t>10/30/2019</a:t>
             </a:fld>
             <a:endParaRPr lang="en-US" dirty="0"/>
           </a:p>
@@ -4825,7 +4825,7 @@
             <a:fld id="{B61BEF0D-F0BB-DE4B-95CE-6DB70DBA9567}" type="datetimeFigureOut">
               <a:rPr lang="en-US" smtClean="0"/>
               <a:pPr/>
-              <a:t>10/29/2019</a:t>
+              <a:t>10/30/2019</a:t>
             </a:fld>
             <a:endParaRPr lang="en-US" dirty="0"/>
           </a:p>
@@ -5118,7 +5118,7 @@
             <a:fld id="{B61BEF0D-F0BB-DE4B-95CE-6DB70DBA9567}" type="datetimeFigureOut">
               <a:rPr lang="en-US" smtClean="0"/>
               <a:pPr/>
-              <a:t>10/29/2019</a:t>
+              <a:t>10/30/2019</a:t>
             </a:fld>
             <a:endParaRPr lang="en-US" dirty="0"/>
           </a:p>
@@ -5650,7 +5650,7 @@
             <a:fld id="{B61BEF0D-F0BB-DE4B-95CE-6DB70DBA9567}" type="datetimeFigureOut">
               <a:rPr lang="en-US" smtClean="0"/>
               <a:pPr/>
-              <a:t>10/29/2019</a:t>
+              <a:t>10/30/2019</a:t>
             </a:fld>
             <a:endParaRPr lang="en-US" dirty="0"/>
           </a:p>
@@ -7780,7 +7780,7 @@
                 <a:latin typeface="Arial" panose="020B0604020202020204" pitchFamily="34" charset="0"/>
                 <a:cs typeface="Arial" panose="020B0604020202020204" pitchFamily="34" charset="0"/>
               </a:rPr>
-              <a:t>A definir. </a:t>
+              <a:t>Problema no banco de dados realizando alocação, devido ter chave repetida. </a:t>
             </a:r>
           </a:p>
         </p:txBody>
@@ -7922,7 +7922,7 @@
                 <a:latin typeface="Arial" panose="020B0604020202020204" pitchFamily="34" charset="0"/>
                 <a:cs typeface="Arial" panose="020B0604020202020204" pitchFamily="34" charset="0"/>
               </a:rPr>
-              <a:t> e </a:t>
+              <a:t>, </a:t>
             </a:r>
             <a:r>
               <a:rPr lang="pt-BR" dirty="0" err="1">
@@ -7930,6 +7930,20 @@
                 <a:cs typeface="Arial" panose="020B0604020202020204" pitchFamily="34" charset="0"/>
               </a:rPr>
               <a:t>bootstrap</a:t>
+            </a:r>
+            <a:r>
+              <a:rPr lang="pt-BR" dirty="0">
+                <a:latin typeface="Arial" panose="020B0604020202020204" pitchFamily="34" charset="0"/>
+                <a:cs typeface="Arial" panose="020B0604020202020204" pitchFamily="34" charset="0"/>
+              </a:rPr>
+              <a:t> e </a:t>
+            </a:r>
+            <a:r>
+              <a:rPr lang="pt-BR" dirty="0" err="1">
+                <a:latin typeface="Arial" panose="020B0604020202020204" pitchFamily="34" charset="0"/>
+                <a:cs typeface="Arial" panose="020B0604020202020204" pitchFamily="34" charset="0"/>
+              </a:rPr>
+              <a:t>Vue</a:t>
             </a:r>
             <a:r>
               <a:rPr lang="pt-BR" dirty="0">
